--- a/文書/風險.pptx
+++ b/文書/風險.pptx
@@ -259,7 +259,7 @@
           <a:p>
             <a:fld id="{EBAD60BE-AF0C-4FDE-9720-5A64FD3EB196}" type="datetimeFigureOut">
               <a:rPr lang="zh-TW" altLang="en-US" smtClean="0"/>
-              <a:t>2021/4/9</a:t>
+              <a:t>2021/4/13</a:t>
             </a:fld>
             <a:endParaRPr lang="zh-TW" altLang="en-US"/>
           </a:p>
@@ -457,7 +457,7 @@
           <a:p>
             <a:fld id="{EBAD60BE-AF0C-4FDE-9720-5A64FD3EB196}" type="datetimeFigureOut">
               <a:rPr lang="zh-TW" altLang="en-US" smtClean="0"/>
-              <a:t>2021/4/9</a:t>
+              <a:t>2021/4/13</a:t>
             </a:fld>
             <a:endParaRPr lang="zh-TW" altLang="en-US"/>
           </a:p>
@@ -665,7 +665,7 @@
           <a:p>
             <a:fld id="{EBAD60BE-AF0C-4FDE-9720-5A64FD3EB196}" type="datetimeFigureOut">
               <a:rPr lang="zh-TW" altLang="en-US" smtClean="0"/>
-              <a:t>2021/4/9</a:t>
+              <a:t>2021/4/13</a:t>
             </a:fld>
             <a:endParaRPr lang="zh-TW" altLang="en-US"/>
           </a:p>
@@ -863,7 +863,7 @@
           <a:p>
             <a:fld id="{EBAD60BE-AF0C-4FDE-9720-5A64FD3EB196}" type="datetimeFigureOut">
               <a:rPr lang="zh-TW" altLang="en-US" smtClean="0"/>
-              <a:t>2021/4/9</a:t>
+              <a:t>2021/4/13</a:t>
             </a:fld>
             <a:endParaRPr lang="zh-TW" altLang="en-US"/>
           </a:p>
@@ -1138,7 +1138,7 @@
           <a:p>
             <a:fld id="{EBAD60BE-AF0C-4FDE-9720-5A64FD3EB196}" type="datetimeFigureOut">
               <a:rPr lang="zh-TW" altLang="en-US" smtClean="0"/>
-              <a:t>2021/4/9</a:t>
+              <a:t>2021/4/13</a:t>
             </a:fld>
             <a:endParaRPr lang="zh-TW" altLang="en-US"/>
           </a:p>
@@ -1403,7 +1403,7 @@
           <a:p>
             <a:fld id="{EBAD60BE-AF0C-4FDE-9720-5A64FD3EB196}" type="datetimeFigureOut">
               <a:rPr lang="zh-TW" altLang="en-US" smtClean="0"/>
-              <a:t>2021/4/9</a:t>
+              <a:t>2021/4/13</a:t>
             </a:fld>
             <a:endParaRPr lang="zh-TW" altLang="en-US"/>
           </a:p>
@@ -1815,7 +1815,7 @@
           <a:p>
             <a:fld id="{EBAD60BE-AF0C-4FDE-9720-5A64FD3EB196}" type="datetimeFigureOut">
               <a:rPr lang="zh-TW" altLang="en-US" smtClean="0"/>
-              <a:t>2021/4/9</a:t>
+              <a:t>2021/4/13</a:t>
             </a:fld>
             <a:endParaRPr lang="zh-TW" altLang="en-US"/>
           </a:p>
@@ -1956,7 +1956,7 @@
           <a:p>
             <a:fld id="{EBAD60BE-AF0C-4FDE-9720-5A64FD3EB196}" type="datetimeFigureOut">
               <a:rPr lang="zh-TW" altLang="en-US" smtClean="0"/>
-              <a:t>2021/4/9</a:t>
+              <a:t>2021/4/13</a:t>
             </a:fld>
             <a:endParaRPr lang="zh-TW" altLang="en-US"/>
           </a:p>
@@ -2069,7 +2069,7 @@
           <a:p>
             <a:fld id="{EBAD60BE-AF0C-4FDE-9720-5A64FD3EB196}" type="datetimeFigureOut">
               <a:rPr lang="zh-TW" altLang="en-US" smtClean="0"/>
-              <a:t>2021/4/9</a:t>
+              <a:t>2021/4/13</a:t>
             </a:fld>
             <a:endParaRPr lang="zh-TW" altLang="en-US"/>
           </a:p>
@@ -2380,7 +2380,7 @@
           <a:p>
             <a:fld id="{EBAD60BE-AF0C-4FDE-9720-5A64FD3EB196}" type="datetimeFigureOut">
               <a:rPr lang="zh-TW" altLang="en-US" smtClean="0"/>
-              <a:t>2021/4/9</a:t>
+              <a:t>2021/4/13</a:t>
             </a:fld>
             <a:endParaRPr lang="zh-TW" altLang="en-US"/>
           </a:p>
@@ -2668,7 +2668,7 @@
           <a:p>
             <a:fld id="{EBAD60BE-AF0C-4FDE-9720-5A64FD3EB196}" type="datetimeFigureOut">
               <a:rPr lang="zh-TW" altLang="en-US" smtClean="0"/>
-              <a:t>2021/4/9</a:t>
+              <a:t>2021/4/13</a:t>
             </a:fld>
             <a:endParaRPr lang="zh-TW" altLang="en-US"/>
           </a:p>
@@ -2909,7 +2909,7 @@
           <a:p>
             <a:fld id="{EBAD60BE-AF0C-4FDE-9720-5A64FD3EB196}" type="datetimeFigureOut">
               <a:rPr lang="zh-TW" altLang="en-US" smtClean="0"/>
-              <a:t>2021/4/9</a:t>
+              <a:t>2021/4/13</a:t>
             </a:fld>
             <a:endParaRPr lang="zh-TW" altLang="en-US"/>
           </a:p>
@@ -3340,7 +3340,7 @@
         </p:nvSpPr>
         <p:spPr>
           <a:xfrm>
-            <a:off x="4258234" y="457200"/>
+            <a:off x="4670876" y="457200"/>
             <a:ext cx="2671483" cy="860612"/>
           </a:xfrm>
           <a:prstGeom prst="rect">
@@ -3398,7 +3398,7 @@
         </p:nvSpPr>
         <p:spPr>
           <a:xfrm>
-            <a:off x="4837015" y="693541"/>
+            <a:off x="5249657" y="693541"/>
             <a:ext cx="1513919" cy="400110"/>
           </a:xfrm>
           <a:prstGeom prst="rect">
@@ -3436,7 +3436,7 @@
         </p:nvCxnSpPr>
         <p:spPr>
           <a:xfrm>
-            <a:off x="5593976" y="1317812"/>
+            <a:off x="6006618" y="1317812"/>
             <a:ext cx="0" cy="304800"/>
           </a:xfrm>
           <a:prstGeom prst="line">
@@ -3479,8 +3479,8 @@
         </p:nvCxnSpPr>
         <p:spPr>
           <a:xfrm flipV="1">
-            <a:off x="2205317" y="1633394"/>
-            <a:ext cx="6928588" cy="7148"/>
+            <a:off x="1656671" y="1629094"/>
+            <a:ext cx="8588028" cy="11448"/>
           </a:xfrm>
           <a:prstGeom prst="line">
             <a:avLst/>
@@ -3515,7 +3515,7 @@
         </p:nvCxnSpPr>
         <p:spPr>
           <a:xfrm>
-            <a:off x="2214282" y="1622612"/>
+            <a:off x="1665636" y="1622612"/>
             <a:ext cx="0" cy="475129"/>
           </a:xfrm>
           <a:prstGeom prst="line">
@@ -3551,7 +3551,7 @@
         </p:nvSpPr>
         <p:spPr>
           <a:xfrm>
-            <a:off x="1371601" y="2097741"/>
+            <a:off x="822955" y="2097741"/>
             <a:ext cx="1685361" cy="475005"/>
           </a:xfrm>
           <a:prstGeom prst="rect">
@@ -3597,7 +3597,7 @@
         </p:nvCxnSpPr>
         <p:spPr>
           <a:xfrm>
-            <a:off x="5438836" y="1649487"/>
+            <a:off x="4372030" y="1649487"/>
             <a:ext cx="0" cy="457199"/>
           </a:xfrm>
           <a:prstGeom prst="line">
@@ -3633,7 +3633,7 @@
         </p:nvSpPr>
         <p:spPr>
           <a:xfrm>
-            <a:off x="4611841" y="2099707"/>
+            <a:off x="3545035" y="2099707"/>
             <a:ext cx="1763800" cy="474997"/>
           </a:xfrm>
           <a:prstGeom prst="rect">
@@ -3677,7 +3677,7 @@
         </p:nvSpPr>
         <p:spPr>
           <a:xfrm>
-            <a:off x="1660712" y="2137235"/>
+            <a:off x="1112066" y="2152475"/>
             <a:ext cx="1107137" cy="369332"/>
           </a:xfrm>
           <a:prstGeom prst="rect">
@@ -3693,7 +3693,7 @@
           <a:p>
             <a:r>
               <a:rPr lang="zh-TW" altLang="en-US" dirty="0"/>
-              <a:t>人員能力</a:t>
+              <a:t>需求風險</a:t>
             </a:r>
           </a:p>
         </p:txBody>
@@ -3714,7 +3714,7 @@
         </p:nvCxnSpPr>
         <p:spPr>
           <a:xfrm flipH="1" flipV="1">
-            <a:off x="1030941" y="2335239"/>
+            <a:off x="482295" y="2335239"/>
             <a:ext cx="340660" cy="5"/>
           </a:xfrm>
           <a:prstGeom prst="line">
@@ -3751,9 +3751,9 @@
           <p:nvPr/>
         </p:nvCxnSpPr>
         <p:spPr>
-          <a:xfrm>
-            <a:off x="1030948" y="2335239"/>
-            <a:ext cx="3073" cy="2511190"/>
+          <a:xfrm flipH="1">
+            <a:off x="475281" y="2337205"/>
+            <a:ext cx="7022" cy="2559104"/>
           </a:xfrm>
           <a:prstGeom prst="line">
             <a:avLst/>
@@ -3788,7 +3788,7 @@
         </p:nvCxnSpPr>
         <p:spPr>
           <a:xfrm>
-            <a:off x="1030941" y="3128682"/>
+            <a:off x="482295" y="3128682"/>
             <a:ext cx="340660" cy="0"/>
           </a:xfrm>
           <a:prstGeom prst="line">
@@ -3824,7 +3824,7 @@
         </p:nvCxnSpPr>
         <p:spPr>
           <a:xfrm>
-            <a:off x="1030941" y="3981909"/>
+            <a:off x="482295" y="3981909"/>
             <a:ext cx="340660" cy="0"/>
           </a:xfrm>
           <a:prstGeom prst="line">
@@ -3848,10 +3848,10 @@
       </p:cxnSp>
       <p:sp>
         <p:nvSpPr>
-          <p:cNvPr id="23" name="文字方塊 22">
-            <a:extLst>
-              <a:ext uri="{FF2B5EF4-FFF2-40B4-BE49-F238E27FC236}">
-                <a16:creationId xmlns:a16="http://schemas.microsoft.com/office/drawing/2014/main" id="{53056CF3-7250-4D29-8618-3B455CEE2756}"/>
+          <p:cNvPr id="26" name="文字方塊 25">
+            <a:extLst>
+              <a:ext uri="{FF2B5EF4-FFF2-40B4-BE49-F238E27FC236}">
+                <a16:creationId xmlns:a16="http://schemas.microsoft.com/office/drawing/2014/main" id="{5E402510-E3EC-4A29-939E-C21ED971DAE7}"/>
               </a:ext>
             </a:extLst>
           </p:cNvPr>
@@ -3860,8 +3860,8 @@
         </p:nvSpPr>
         <p:spPr>
           <a:xfrm>
-            <a:off x="1292286" y="2952907"/>
-            <a:ext cx="1727131" cy="369332"/>
+            <a:off x="3818462" y="2146180"/>
+            <a:ext cx="1107137" cy="369332"/>
           </a:xfrm>
           <a:prstGeom prst="rect">
             <a:avLst/>
@@ -3874,67 +3874,16 @@
           </a:bodyPr>
           <a:lstStyle/>
           <a:p>
-            <a:r>
-              <a:rPr lang="zh-TW" altLang="en-US" dirty="0"/>
-              <a:t>有人沒學過</a:t>
-            </a:r>
-            <a:r>
-              <a:rPr lang="en-US" altLang="zh-TW" dirty="0"/>
-              <a:t>Java</a:t>
-            </a:r>
             <a:endParaRPr lang="zh-TW" altLang="en-US" dirty="0"/>
-          </a:p>
-        </p:txBody>
-      </p:sp>
-      <p:sp>
-        <p:nvSpPr>
-          <p:cNvPr id="24" name="文字方塊 23">
-            <a:extLst>
-              <a:ext uri="{FF2B5EF4-FFF2-40B4-BE49-F238E27FC236}">
-                <a16:creationId xmlns:a16="http://schemas.microsoft.com/office/drawing/2014/main" id="{DC119759-C4DC-44F0-AABA-F9B50BF84D88}"/>
-              </a:ext>
-            </a:extLst>
-          </p:cNvPr>
-          <p:cNvSpPr txBox="1"/>
-          <p:nvPr/>
-        </p:nvSpPr>
-        <p:spPr>
-          <a:xfrm>
-            <a:off x="1298621" y="3818359"/>
-            <a:ext cx="1630606" cy="369332"/>
-          </a:xfrm>
-          <a:prstGeom prst="rect">
-            <a:avLst/>
-          </a:prstGeom>
-          <a:noFill/>
-        </p:spPr>
-        <p:txBody>
-          <a:bodyPr wrap="square" rtlCol="0">
-            <a:spAutoFit/>
-          </a:bodyPr>
-          <a:lstStyle/>
-          <a:p>
-            <a:r>
-              <a:rPr lang="zh-TW" altLang="en-US" dirty="0"/>
-              <a:t>對</a:t>
-            </a:r>
-            <a:r>
-              <a:rPr lang="en-US" altLang="zh-TW" dirty="0"/>
-              <a:t>GUI</a:t>
-            </a:r>
-            <a:r>
-              <a:rPr lang="zh-TW" altLang="en-US" dirty="0"/>
-              <a:t>不熟悉</a:t>
-            </a:r>
           </a:p>
         </p:txBody>
       </p:sp>
       <p:cxnSp>
         <p:nvCxnSpPr>
-          <p:cNvPr id="25" name="直線接點 24">
-            <a:extLst>
-              <a:ext uri="{FF2B5EF4-FFF2-40B4-BE49-F238E27FC236}">
-                <a16:creationId xmlns:a16="http://schemas.microsoft.com/office/drawing/2014/main" id="{3FE6D9D7-D72D-4EC1-AD87-75AF3E1C81B6}"/>
+          <p:cNvPr id="27" name="直線接點 26">
+            <a:extLst>
+              <a:ext uri="{FF2B5EF4-FFF2-40B4-BE49-F238E27FC236}">
+                <a16:creationId xmlns:a16="http://schemas.microsoft.com/office/drawing/2014/main" id="{CA01E2AA-B66E-405D-B0E1-71B7B38DD4FB}"/>
               </a:ext>
             </a:extLst>
           </p:cNvPr>
@@ -3943,7 +3892,7 @@
         </p:nvCxnSpPr>
         <p:spPr>
           <a:xfrm>
-            <a:off x="1030941" y="4831976"/>
+            <a:off x="3212575" y="3137627"/>
             <a:ext cx="340660" cy="0"/>
           </a:xfrm>
           <a:prstGeom prst="line">
@@ -3967,10 +3916,10 @@
       </p:cxnSp>
       <p:sp>
         <p:nvSpPr>
-          <p:cNvPr id="26" name="文字方塊 25">
-            <a:extLst>
-              <a:ext uri="{FF2B5EF4-FFF2-40B4-BE49-F238E27FC236}">
-                <a16:creationId xmlns:a16="http://schemas.microsoft.com/office/drawing/2014/main" id="{5E402510-E3EC-4A29-939E-C21ED971DAE7}"/>
+          <p:cNvPr id="28" name="文字方塊 27">
+            <a:extLst>
+              <a:ext uri="{FF2B5EF4-FFF2-40B4-BE49-F238E27FC236}">
+                <a16:creationId xmlns:a16="http://schemas.microsoft.com/office/drawing/2014/main" id="{9BA0B597-E30C-49E1-83F8-45CE49A72088}"/>
               </a:ext>
             </a:extLst>
           </p:cNvPr>
@@ -3979,8 +3928,8 @@
         </p:nvSpPr>
         <p:spPr>
           <a:xfrm>
-            <a:off x="4885268" y="2146180"/>
-            <a:ext cx="1107137" cy="369332"/>
+            <a:off x="3655902" y="2166573"/>
+            <a:ext cx="1829812" cy="369332"/>
           </a:xfrm>
           <a:prstGeom prst="rect">
             <a:avLst/>
@@ -3993,77 +3942,9 @@
           </a:bodyPr>
           <a:lstStyle/>
           <a:p>
-            <a:endParaRPr lang="zh-TW" altLang="en-US" dirty="0"/>
-          </a:p>
-        </p:txBody>
-      </p:sp>
-      <p:cxnSp>
-        <p:nvCxnSpPr>
-          <p:cNvPr id="27" name="直線接點 26">
-            <a:extLst>
-              <a:ext uri="{FF2B5EF4-FFF2-40B4-BE49-F238E27FC236}">
-                <a16:creationId xmlns:a16="http://schemas.microsoft.com/office/drawing/2014/main" id="{CA01E2AA-B66E-405D-B0E1-71B7B38DD4FB}"/>
-              </a:ext>
-            </a:extLst>
-          </p:cNvPr>
-          <p:cNvCxnSpPr/>
-          <p:nvPr/>
-        </p:nvCxnSpPr>
-        <p:spPr>
-          <a:xfrm>
-            <a:off x="4261093" y="3137627"/>
-            <a:ext cx="340660" cy="0"/>
-          </a:xfrm>
-          <a:prstGeom prst="line">
-            <a:avLst/>
-          </a:prstGeom>
-        </p:spPr>
-        <p:style>
-          <a:lnRef idx="1">
-            <a:schemeClr val="dk1"/>
-          </a:lnRef>
-          <a:fillRef idx="0">
-            <a:schemeClr val="dk1"/>
-          </a:fillRef>
-          <a:effectRef idx="0">
-            <a:schemeClr val="dk1"/>
-          </a:effectRef>
-          <a:fontRef idx="minor">
-            <a:schemeClr val="tx1"/>
-          </a:fontRef>
-        </p:style>
-      </p:cxnSp>
-      <p:sp>
-        <p:nvSpPr>
-          <p:cNvPr id="28" name="文字方塊 27">
-            <a:extLst>
-              <a:ext uri="{FF2B5EF4-FFF2-40B4-BE49-F238E27FC236}">
-                <a16:creationId xmlns:a16="http://schemas.microsoft.com/office/drawing/2014/main" id="{9BA0B597-E30C-49E1-83F8-45CE49A72088}"/>
-              </a:ext>
-            </a:extLst>
-          </p:cNvPr>
-          <p:cNvSpPr txBox="1"/>
-          <p:nvPr/>
-        </p:nvSpPr>
-        <p:spPr>
-          <a:xfrm>
-            <a:off x="4885268" y="2176733"/>
-            <a:ext cx="1107137" cy="369332"/>
-          </a:xfrm>
-          <a:prstGeom prst="rect">
-            <a:avLst/>
-          </a:prstGeom>
-          <a:noFill/>
-        </p:spPr>
-        <p:txBody>
-          <a:bodyPr wrap="square" rtlCol="0">
-            <a:spAutoFit/>
-          </a:bodyPr>
-          <a:lstStyle/>
-          <a:p>
             <a:r>
               <a:rPr lang="zh-TW" altLang="en-US" dirty="0"/>
-              <a:t>時間因素</a:t>
+              <a:t>人力資源風險</a:t>
             </a:r>
           </a:p>
         </p:txBody>
@@ -4083,9 +3964,9 @@
           <p:nvPr/>
         </p:nvCxnSpPr>
         <p:spPr>
-          <a:xfrm>
-            <a:off x="4269589" y="2344182"/>
-            <a:ext cx="9633" cy="1654058"/>
+          <a:xfrm flipH="1">
+            <a:off x="3180062" y="2321900"/>
+            <a:ext cx="29956" cy="3876543"/>
           </a:xfrm>
           <a:prstGeom prst="line">
             <a:avLst/>
@@ -4123,7 +4004,7 @@
         </p:nvCxnSpPr>
         <p:spPr>
           <a:xfrm>
-            <a:off x="4286865" y="2337205"/>
+            <a:off x="3220059" y="2337205"/>
             <a:ext cx="324976" cy="1"/>
           </a:xfrm>
           <a:prstGeom prst="line">
@@ -4159,7 +4040,7 @@
         </p:nvCxnSpPr>
         <p:spPr>
           <a:xfrm>
-            <a:off x="4271181" y="3998239"/>
+            <a:off x="3216567" y="3998239"/>
             <a:ext cx="340660" cy="0"/>
           </a:xfrm>
           <a:prstGeom prst="line">
@@ -4181,41 +4062,6 @@
           </a:fontRef>
         </p:style>
       </p:cxnSp>
-      <p:sp>
-        <p:nvSpPr>
-          <p:cNvPr id="34" name="文字方塊 33">
-            <a:extLst>
-              <a:ext uri="{FF2B5EF4-FFF2-40B4-BE49-F238E27FC236}">
-                <a16:creationId xmlns:a16="http://schemas.microsoft.com/office/drawing/2014/main" id="{8CE92804-3971-41C2-8DEB-87D6F43AF7BB}"/>
-              </a:ext>
-            </a:extLst>
-          </p:cNvPr>
-          <p:cNvSpPr txBox="1"/>
-          <p:nvPr/>
-        </p:nvSpPr>
-        <p:spPr>
-          <a:xfrm>
-            <a:off x="4595298" y="3827304"/>
-            <a:ext cx="2128484" cy="369332"/>
-          </a:xfrm>
-          <a:prstGeom prst="rect">
-            <a:avLst/>
-          </a:prstGeom>
-          <a:noFill/>
-        </p:spPr>
-        <p:txBody>
-          <a:bodyPr wrap="square" rtlCol="0">
-            <a:spAutoFit/>
-          </a:bodyPr>
-          <a:lstStyle/>
-          <a:p>
-            <a:r>
-              <a:rPr lang="zh-TW" altLang="en-US" dirty="0"/>
-              <a:t>有人遲交他的部分</a:t>
-            </a:r>
-          </a:p>
-        </p:txBody>
-      </p:sp>
       <p:cxnSp>
         <p:nvCxnSpPr>
           <p:cNvPr id="43" name="直線接點 42">
@@ -4230,7 +4076,7 @@
         </p:nvCxnSpPr>
         <p:spPr>
           <a:xfrm>
-            <a:off x="9133905" y="1631577"/>
+            <a:off x="10244699" y="1631577"/>
             <a:ext cx="0" cy="475129"/>
           </a:xfrm>
           <a:prstGeom prst="line">
@@ -4268,7 +4114,7 @@
         </p:nvCxnSpPr>
         <p:spPr>
           <a:xfrm flipH="1">
-            <a:off x="7915835" y="2339789"/>
+            <a:off x="9026629" y="2339789"/>
             <a:ext cx="317120" cy="4393"/>
           </a:xfrm>
           <a:prstGeom prst="line">
@@ -4306,8 +4152,8 @@
         </p:nvCxnSpPr>
         <p:spPr>
           <a:xfrm>
-            <a:off x="7914054" y="2321900"/>
-            <a:ext cx="189" cy="3189011"/>
+            <a:off x="9024388" y="2351239"/>
+            <a:ext cx="15129" cy="1600684"/>
           </a:xfrm>
           <a:prstGeom prst="line">
             <a:avLst/>
@@ -4344,7 +4190,7 @@
         </p:nvCxnSpPr>
         <p:spPr>
           <a:xfrm flipH="1">
-            <a:off x="7928724" y="3155596"/>
+            <a:off x="9039518" y="3155596"/>
             <a:ext cx="317120" cy="4393"/>
           </a:xfrm>
           <a:prstGeom prst="line">
@@ -4380,7 +4226,7 @@
         </p:nvSpPr>
         <p:spPr>
           <a:xfrm>
-            <a:off x="8239409" y="3768194"/>
+            <a:off x="9350203" y="3768194"/>
             <a:ext cx="1979595" cy="369332"/>
           </a:xfrm>
           <a:prstGeom prst="rect">
@@ -4396,7 +4242,7 @@
           <a:p>
             <a:r>
               <a:rPr lang="zh-TW" altLang="en-US" dirty="0"/>
-              <a:t>專題目標不明確</a:t>
+              <a:t>排程壓力過大</a:t>
             </a:r>
           </a:p>
         </p:txBody>
@@ -4417,7 +4263,7 @@
         </p:nvCxnSpPr>
         <p:spPr>
           <a:xfrm flipH="1">
-            <a:off x="7922290" y="3951923"/>
+            <a:off x="9033084" y="3951923"/>
             <a:ext cx="317120" cy="4393"/>
           </a:xfrm>
           <a:prstGeom prst="line">
@@ -4441,10 +4287,54 @@
       </p:cxnSp>
       <p:sp>
         <p:nvSpPr>
-          <p:cNvPr id="49" name="文字方塊 48">
-            <a:extLst>
-              <a:ext uri="{FF2B5EF4-FFF2-40B4-BE49-F238E27FC236}">
-                <a16:creationId xmlns:a16="http://schemas.microsoft.com/office/drawing/2014/main" id="{69D6D355-4F1F-4A6C-8565-C06F3FBA12C9}"/>
+          <p:cNvPr id="53" name="矩形 52">
+            <a:extLst>
+              <a:ext uri="{FF2B5EF4-FFF2-40B4-BE49-F238E27FC236}">
+                <a16:creationId xmlns:a16="http://schemas.microsoft.com/office/drawing/2014/main" id="{8ED17E6F-00CC-4F43-99C8-39EE6CB8C6A4}"/>
+              </a:ext>
+            </a:extLst>
+          </p:cNvPr>
+          <p:cNvSpPr/>
+          <p:nvPr/>
+        </p:nvSpPr>
+        <p:spPr>
+          <a:xfrm>
+            <a:off x="9364476" y="2092522"/>
+            <a:ext cx="1801901" cy="474952"/>
+          </a:xfrm>
+          <a:prstGeom prst="rect">
+            <a:avLst/>
+          </a:prstGeom>
+        </p:spPr>
+        <p:style>
+          <a:lnRef idx="2">
+            <a:schemeClr val="dk1"/>
+          </a:lnRef>
+          <a:fillRef idx="1">
+            <a:schemeClr val="lt1"/>
+          </a:fillRef>
+          <a:effectRef idx="0">
+            <a:schemeClr val="dk1"/>
+          </a:effectRef>
+          <a:fontRef idx="minor">
+            <a:schemeClr val="dk1"/>
+          </a:fontRef>
+        </p:style>
+        <p:txBody>
+          <a:bodyPr rtlCol="0" anchor="ctr"/>
+          <a:lstStyle/>
+          <a:p>
+            <a:pPr algn="ctr"/>
+            <a:endParaRPr lang="zh-TW" altLang="en-US" dirty="0"/>
+          </a:p>
+        </p:txBody>
+      </p:sp>
+      <p:sp>
+        <p:nvSpPr>
+          <p:cNvPr id="56" name="文字方塊 55">
+            <a:extLst>
+              <a:ext uri="{FF2B5EF4-FFF2-40B4-BE49-F238E27FC236}">
+                <a16:creationId xmlns:a16="http://schemas.microsoft.com/office/drawing/2014/main" id="{B3DBAF7B-9922-48CB-9B68-E293D87EA4EC}"/>
               </a:ext>
             </a:extLst>
           </p:cNvPr>
@@ -4453,8 +4343,8 @@
         </p:nvSpPr>
         <p:spPr>
           <a:xfrm>
-            <a:off x="8230715" y="4553226"/>
-            <a:ext cx="1211438" cy="369332"/>
+            <a:off x="3556890" y="2970930"/>
+            <a:ext cx="2288639" cy="369332"/>
           </a:xfrm>
           <a:prstGeom prst="rect">
             <a:avLst/>
@@ -4469,29 +4359,168 @@
           <a:p>
             <a:r>
               <a:rPr lang="zh-TW" altLang="en-US" dirty="0"/>
-              <a:t>人員爭執</a:t>
+              <a:t>缺乏相關實務經驗</a:t>
+            </a:r>
+          </a:p>
+        </p:txBody>
+      </p:sp>
+      <p:sp>
+        <p:nvSpPr>
+          <p:cNvPr id="59" name="文字方塊 58">
+            <a:extLst>
+              <a:ext uri="{FF2B5EF4-FFF2-40B4-BE49-F238E27FC236}">
+                <a16:creationId xmlns:a16="http://schemas.microsoft.com/office/drawing/2014/main" id="{623B2875-768C-438B-847D-4400FD9ECEEB}"/>
+              </a:ext>
+            </a:extLst>
+          </p:cNvPr>
+          <p:cNvSpPr txBox="1"/>
+          <p:nvPr/>
+        </p:nvSpPr>
+        <p:spPr>
+          <a:xfrm>
+            <a:off x="9363652" y="2970930"/>
+            <a:ext cx="2919465" cy="369332"/>
+          </a:xfrm>
+          <a:prstGeom prst="rect">
+            <a:avLst/>
+          </a:prstGeom>
+          <a:noFill/>
+        </p:spPr>
+        <p:txBody>
+          <a:bodyPr wrap="square" rtlCol="0">
+            <a:spAutoFit/>
+          </a:bodyPr>
+          <a:lstStyle/>
+          <a:p>
+            <a:r>
+              <a:rPr lang="zh-TW" altLang="en-US" dirty="0"/>
+              <a:t>工作定義不清楚</a:t>
+            </a:r>
+          </a:p>
+        </p:txBody>
+      </p:sp>
+      <p:sp>
+        <p:nvSpPr>
+          <p:cNvPr id="63" name="文字方塊 62">
+            <a:extLst>
+              <a:ext uri="{FF2B5EF4-FFF2-40B4-BE49-F238E27FC236}">
+                <a16:creationId xmlns:a16="http://schemas.microsoft.com/office/drawing/2014/main" id="{9D71189F-8FDF-4F68-B580-6913DD53F47C}"/>
+              </a:ext>
+            </a:extLst>
+          </p:cNvPr>
+          <p:cNvSpPr txBox="1"/>
+          <p:nvPr/>
+        </p:nvSpPr>
+        <p:spPr>
+          <a:xfrm>
+            <a:off x="9677395" y="2152539"/>
+            <a:ext cx="1273829" cy="369332"/>
+          </a:xfrm>
+          <a:prstGeom prst="rect">
+            <a:avLst/>
+          </a:prstGeom>
+          <a:noFill/>
+        </p:spPr>
+        <p:txBody>
+          <a:bodyPr wrap="square" rtlCol="0">
+            <a:spAutoFit/>
+          </a:bodyPr>
+          <a:lstStyle/>
+          <a:p>
+            <a:r>
+              <a:rPr lang="zh-TW" altLang="en-US"/>
+              <a:t>時程風險</a:t>
+            </a:r>
+            <a:endParaRPr lang="zh-TW" altLang="en-US" dirty="0"/>
+          </a:p>
+        </p:txBody>
+      </p:sp>
+      <p:sp>
+        <p:nvSpPr>
+          <p:cNvPr id="40" name="文字方塊 39">
+            <a:extLst>
+              <a:ext uri="{FF2B5EF4-FFF2-40B4-BE49-F238E27FC236}">
+                <a16:creationId xmlns:a16="http://schemas.microsoft.com/office/drawing/2014/main" id="{AF3C8645-C1C6-45A7-A191-2EBA3A6EF0FE}"/>
+              </a:ext>
+            </a:extLst>
+          </p:cNvPr>
+          <p:cNvSpPr txBox="1"/>
+          <p:nvPr/>
+        </p:nvSpPr>
+        <p:spPr>
+          <a:xfrm>
+            <a:off x="842752" y="2942349"/>
+            <a:ext cx="1600537" cy="369332"/>
+          </a:xfrm>
+          <a:prstGeom prst="rect">
+            <a:avLst/>
+          </a:prstGeom>
+          <a:noFill/>
+        </p:spPr>
+        <p:txBody>
+          <a:bodyPr wrap="square" rtlCol="0">
+            <a:spAutoFit/>
+          </a:bodyPr>
+          <a:lstStyle/>
+          <a:p>
+            <a:r>
+              <a:rPr lang="zh-TW" altLang="en-US" dirty="0"/>
+              <a:t>需求不明確</a:t>
+            </a:r>
+          </a:p>
+        </p:txBody>
+      </p:sp>
+      <p:sp>
+        <p:nvSpPr>
+          <p:cNvPr id="60" name="文字方塊 59">
+            <a:extLst>
+              <a:ext uri="{FF2B5EF4-FFF2-40B4-BE49-F238E27FC236}">
+                <a16:creationId xmlns:a16="http://schemas.microsoft.com/office/drawing/2014/main" id="{C31BF228-3AC0-48DA-9649-6B2A4D6E1A3C}"/>
+              </a:ext>
+            </a:extLst>
+          </p:cNvPr>
+          <p:cNvSpPr txBox="1"/>
+          <p:nvPr/>
+        </p:nvSpPr>
+        <p:spPr>
+          <a:xfrm>
+            <a:off x="3584198" y="3827520"/>
+            <a:ext cx="2288639" cy="369332"/>
+          </a:xfrm>
+          <a:prstGeom prst="rect">
+            <a:avLst/>
+          </a:prstGeom>
+          <a:noFill/>
+        </p:spPr>
+        <p:txBody>
+          <a:bodyPr wrap="square" rtlCol="0">
+            <a:spAutoFit/>
+          </a:bodyPr>
+          <a:lstStyle/>
+          <a:p>
+            <a:r>
+              <a:rPr lang="zh-TW" altLang="en-US" dirty="0"/>
+              <a:t>專業能力不足</a:t>
             </a:r>
           </a:p>
         </p:txBody>
       </p:sp>
       <p:cxnSp>
         <p:nvCxnSpPr>
-          <p:cNvPr id="50" name="直線接點 49">
-            <a:extLst>
-              <a:ext uri="{FF2B5EF4-FFF2-40B4-BE49-F238E27FC236}">
-                <a16:creationId xmlns:a16="http://schemas.microsoft.com/office/drawing/2014/main" id="{07D76367-7829-478F-A852-9E1AC8BA65A3}"/>
-              </a:ext>
-            </a:extLst>
-          </p:cNvPr>
-          <p:cNvCxnSpPr>
-            <a:cxnSpLocks/>
-          </p:cNvCxnSpPr>
+          <p:cNvPr id="61" name="直線接點 60">
+            <a:extLst>
+              <a:ext uri="{FF2B5EF4-FFF2-40B4-BE49-F238E27FC236}">
+                <a16:creationId xmlns:a16="http://schemas.microsoft.com/office/drawing/2014/main" id="{B0CC82D6-0D24-442E-844A-0C0E774B08E9}"/>
+              </a:ext>
+            </a:extLst>
+          </p:cNvPr>
+          <p:cNvCxnSpPr/>
           <p:nvPr/>
         </p:nvCxnSpPr>
         <p:spPr>
-          <a:xfrm flipH="1">
-            <a:off x="7913595" y="4740824"/>
-            <a:ext cx="317120" cy="4393"/>
+          <a:xfrm>
+            <a:off x="3215662" y="4735403"/>
+            <a:ext cx="340660" cy="0"/>
           </a:xfrm>
           <a:prstGeom prst="line">
             <a:avLst/>
@@ -4514,10 +4543,10 @@
       </p:cxnSp>
       <p:sp>
         <p:nvSpPr>
-          <p:cNvPr id="51" name="文字方塊 50">
-            <a:extLst>
-              <a:ext uri="{FF2B5EF4-FFF2-40B4-BE49-F238E27FC236}">
-                <a16:creationId xmlns:a16="http://schemas.microsoft.com/office/drawing/2014/main" id="{3A6F4F14-1497-42D3-96BB-82D6289B13D0}"/>
+          <p:cNvPr id="62" name="文字方塊 61">
+            <a:extLst>
+              <a:ext uri="{FF2B5EF4-FFF2-40B4-BE49-F238E27FC236}">
+                <a16:creationId xmlns:a16="http://schemas.microsoft.com/office/drawing/2014/main" id="{5D6E21BD-9BCE-4665-B5AE-C4B291EAEBEC}"/>
               </a:ext>
             </a:extLst>
           </p:cNvPr>
@@ -4526,8 +4555,8 @@
         </p:nvSpPr>
         <p:spPr>
           <a:xfrm>
-            <a:off x="8230714" y="5326245"/>
-            <a:ext cx="1692835" cy="369332"/>
+            <a:off x="3539778" y="4564468"/>
+            <a:ext cx="2114617" cy="369332"/>
           </a:xfrm>
           <a:prstGeom prst="rect">
             <a:avLst/>
@@ -4542,17 +4571,52 @@
           <a:p>
             <a:r>
               <a:rPr lang="zh-TW" altLang="en-US" dirty="0"/>
-              <a:t>與題目不吻合</a:t>
+              <a:t>小組成員衝突 </a:t>
+            </a:r>
+          </a:p>
+        </p:txBody>
+      </p:sp>
+      <p:sp>
+        <p:nvSpPr>
+          <p:cNvPr id="65" name="文字方塊 64">
+            <a:extLst>
+              <a:ext uri="{FF2B5EF4-FFF2-40B4-BE49-F238E27FC236}">
+                <a16:creationId xmlns:a16="http://schemas.microsoft.com/office/drawing/2014/main" id="{69C6DC9A-E821-4169-90B2-A7273762767D}"/>
+              </a:ext>
+            </a:extLst>
+          </p:cNvPr>
+          <p:cNvSpPr txBox="1"/>
+          <p:nvPr/>
+        </p:nvSpPr>
+        <p:spPr>
+          <a:xfrm>
+            <a:off x="876462" y="3799557"/>
+            <a:ext cx="1727131" cy="369332"/>
+          </a:xfrm>
+          <a:prstGeom prst="rect">
+            <a:avLst/>
+          </a:prstGeom>
+          <a:noFill/>
+        </p:spPr>
+        <p:txBody>
+          <a:bodyPr wrap="square" rtlCol="0">
+            <a:spAutoFit/>
+          </a:bodyPr>
+          <a:lstStyle/>
+          <a:p>
+            <a:r>
+              <a:rPr lang="zh-TW" altLang="en-US" dirty="0"/>
+              <a:t>需求變更</a:t>
             </a:r>
           </a:p>
         </p:txBody>
       </p:sp>
       <p:cxnSp>
         <p:nvCxnSpPr>
-          <p:cNvPr id="52" name="直線接點 51">
-            <a:extLst>
-              <a:ext uri="{FF2B5EF4-FFF2-40B4-BE49-F238E27FC236}">
-                <a16:creationId xmlns:a16="http://schemas.microsoft.com/office/drawing/2014/main" id="{1B13E0FA-DB86-4504-BDC1-DE034D3FCFF9}"/>
+          <p:cNvPr id="80" name="直線接點 79">
+            <a:extLst>
+              <a:ext uri="{FF2B5EF4-FFF2-40B4-BE49-F238E27FC236}">
+                <a16:creationId xmlns:a16="http://schemas.microsoft.com/office/drawing/2014/main" id="{A30B11F0-3DAB-4162-B462-14689BD73C9D}"/>
               </a:ext>
             </a:extLst>
           </p:cNvPr>
@@ -4562,9 +4626,9 @@
           <p:nvPr/>
         </p:nvCxnSpPr>
         <p:spPr>
-          <a:xfrm flipH="1" flipV="1">
-            <a:off x="7922291" y="5510911"/>
-            <a:ext cx="326350" cy="3098"/>
+          <a:xfrm>
+            <a:off x="7177347" y="1649487"/>
+            <a:ext cx="0" cy="457199"/>
           </a:xfrm>
           <a:prstGeom prst="line">
             <a:avLst/>
@@ -4587,10 +4651,10 @@
       </p:cxnSp>
       <p:sp>
         <p:nvSpPr>
-          <p:cNvPr id="53" name="矩形 52">
-            <a:extLst>
-              <a:ext uri="{FF2B5EF4-FFF2-40B4-BE49-F238E27FC236}">
-                <a16:creationId xmlns:a16="http://schemas.microsoft.com/office/drawing/2014/main" id="{8ED17E6F-00CC-4F43-99C8-39EE6CB8C6A4}"/>
+          <p:cNvPr id="81" name="矩形 80">
+            <a:extLst>
+              <a:ext uri="{FF2B5EF4-FFF2-40B4-BE49-F238E27FC236}">
+                <a16:creationId xmlns:a16="http://schemas.microsoft.com/office/drawing/2014/main" id="{B6606822-4AF8-44C6-A841-812C6421352F}"/>
               </a:ext>
             </a:extLst>
           </p:cNvPr>
@@ -4599,8 +4663,8 @@
         </p:nvSpPr>
         <p:spPr>
           <a:xfrm>
-            <a:off x="8253682" y="2092522"/>
-            <a:ext cx="1801901" cy="474952"/>
+            <a:off x="6350352" y="2099707"/>
+            <a:ext cx="1763800" cy="474997"/>
           </a:xfrm>
           <a:prstGeom prst="rect">
             <a:avLst/>
@@ -4631,10 +4695,10 @@
       </p:sp>
       <p:sp>
         <p:nvSpPr>
-          <p:cNvPr id="55" name="文字方塊 54">
-            <a:extLst>
-              <a:ext uri="{FF2B5EF4-FFF2-40B4-BE49-F238E27FC236}">
-                <a16:creationId xmlns:a16="http://schemas.microsoft.com/office/drawing/2014/main" id="{AC76D960-3253-4105-AE91-B07603BCBD67}"/>
+          <p:cNvPr id="82" name="文字方塊 81">
+            <a:extLst>
+              <a:ext uri="{FF2B5EF4-FFF2-40B4-BE49-F238E27FC236}">
+                <a16:creationId xmlns:a16="http://schemas.microsoft.com/office/drawing/2014/main" id="{D7894B9E-927A-4582-A324-438B94A11619}"/>
               </a:ext>
             </a:extLst>
           </p:cNvPr>
@@ -4643,8 +4707,8 @@
         </p:nvSpPr>
         <p:spPr>
           <a:xfrm>
-            <a:off x="1355582" y="4661763"/>
-            <a:ext cx="1600537" cy="369332"/>
+            <a:off x="6623779" y="2146180"/>
+            <a:ext cx="1107137" cy="369332"/>
           </a:xfrm>
           <a:prstGeom prst="rect">
             <a:avLst/>
@@ -4657,19 +4721,52 @@
           </a:bodyPr>
           <a:lstStyle/>
           <a:p>
-            <a:r>
-              <a:rPr lang="zh-TW" altLang="en-US" dirty="0"/>
-              <a:t>專案經驗不足</a:t>
-            </a:r>
-          </a:p>
-        </p:txBody>
-      </p:sp>
-      <p:sp>
-        <p:nvSpPr>
-          <p:cNvPr id="56" name="文字方塊 55">
-            <a:extLst>
-              <a:ext uri="{FF2B5EF4-FFF2-40B4-BE49-F238E27FC236}">
-                <a16:creationId xmlns:a16="http://schemas.microsoft.com/office/drawing/2014/main" id="{B3DBAF7B-9922-48CB-9B68-E293D87EA4EC}"/>
+            <a:endParaRPr lang="zh-TW" altLang="en-US" dirty="0"/>
+          </a:p>
+        </p:txBody>
+      </p:sp>
+      <p:cxnSp>
+        <p:nvCxnSpPr>
+          <p:cNvPr id="83" name="直線接點 82">
+            <a:extLst>
+              <a:ext uri="{FF2B5EF4-FFF2-40B4-BE49-F238E27FC236}">
+                <a16:creationId xmlns:a16="http://schemas.microsoft.com/office/drawing/2014/main" id="{537E69FF-CB92-4C39-B330-15B390B91201}"/>
+              </a:ext>
+            </a:extLst>
+          </p:cNvPr>
+          <p:cNvCxnSpPr/>
+          <p:nvPr/>
+        </p:nvCxnSpPr>
+        <p:spPr>
+          <a:xfrm>
+            <a:off x="6017892" y="3137627"/>
+            <a:ext cx="340660" cy="0"/>
+          </a:xfrm>
+          <a:prstGeom prst="line">
+            <a:avLst/>
+          </a:prstGeom>
+        </p:spPr>
+        <p:style>
+          <a:lnRef idx="1">
+            <a:schemeClr val="dk1"/>
+          </a:lnRef>
+          <a:fillRef idx="0">
+            <a:schemeClr val="dk1"/>
+          </a:fillRef>
+          <a:effectRef idx="0">
+            <a:schemeClr val="dk1"/>
+          </a:effectRef>
+          <a:fontRef idx="minor">
+            <a:schemeClr val="tx1"/>
+          </a:fontRef>
+        </p:style>
+      </p:cxnSp>
+      <p:sp>
+        <p:nvSpPr>
+          <p:cNvPr id="84" name="文字方塊 83">
+            <a:extLst>
+              <a:ext uri="{FF2B5EF4-FFF2-40B4-BE49-F238E27FC236}">
+                <a16:creationId xmlns:a16="http://schemas.microsoft.com/office/drawing/2014/main" id="{C8374685-46A4-4C19-BA27-333304BEBF26}"/>
               </a:ext>
             </a:extLst>
           </p:cNvPr>
@@ -4678,8 +4775,8 @@
         </p:nvSpPr>
         <p:spPr>
           <a:xfrm>
-            <a:off x="4623696" y="2970930"/>
-            <a:ext cx="2288639" cy="369332"/>
+            <a:off x="6659338" y="2166573"/>
+            <a:ext cx="1829812" cy="369332"/>
           </a:xfrm>
           <a:prstGeom prst="rect">
             <a:avLst/>
@@ -4694,17 +4791,130 @@
           <a:p>
             <a:r>
               <a:rPr lang="zh-TW" altLang="en-US" dirty="0"/>
-              <a:t>其他科目作業或考試</a:t>
-            </a:r>
-          </a:p>
-        </p:txBody>
-      </p:sp>
-      <p:sp>
-        <p:nvSpPr>
-          <p:cNvPr id="59" name="文字方塊 58">
-            <a:extLst>
-              <a:ext uri="{FF2B5EF4-FFF2-40B4-BE49-F238E27FC236}">
-                <a16:creationId xmlns:a16="http://schemas.microsoft.com/office/drawing/2014/main" id="{623B2875-768C-438B-847D-4400FD9ECEEB}"/>
+              <a:t>技術風險</a:t>
+            </a:r>
+          </a:p>
+        </p:txBody>
+      </p:sp>
+      <p:cxnSp>
+        <p:nvCxnSpPr>
+          <p:cNvPr id="85" name="直線接點 84">
+            <a:extLst>
+              <a:ext uri="{FF2B5EF4-FFF2-40B4-BE49-F238E27FC236}">
+                <a16:creationId xmlns:a16="http://schemas.microsoft.com/office/drawing/2014/main" id="{E26BE2DA-6C8A-45CC-A1C6-10CBFBB91E94}"/>
+              </a:ext>
+            </a:extLst>
+          </p:cNvPr>
+          <p:cNvCxnSpPr>
+            <a:cxnSpLocks/>
+          </p:cNvCxnSpPr>
+          <p:nvPr/>
+        </p:nvCxnSpPr>
+        <p:spPr>
+          <a:xfrm>
+            <a:off x="6015335" y="2321900"/>
+            <a:ext cx="0" cy="1676339"/>
+          </a:xfrm>
+          <a:prstGeom prst="line">
+            <a:avLst/>
+          </a:prstGeom>
+        </p:spPr>
+        <p:style>
+          <a:lnRef idx="1">
+            <a:schemeClr val="dk1"/>
+          </a:lnRef>
+          <a:fillRef idx="0">
+            <a:schemeClr val="dk1"/>
+          </a:fillRef>
+          <a:effectRef idx="0">
+            <a:schemeClr val="dk1"/>
+          </a:effectRef>
+          <a:fontRef idx="minor">
+            <a:schemeClr val="tx1"/>
+          </a:fontRef>
+        </p:style>
+      </p:cxnSp>
+      <p:cxnSp>
+        <p:nvCxnSpPr>
+          <p:cNvPr id="86" name="直線接點 85">
+            <a:extLst>
+              <a:ext uri="{FF2B5EF4-FFF2-40B4-BE49-F238E27FC236}">
+                <a16:creationId xmlns:a16="http://schemas.microsoft.com/office/drawing/2014/main" id="{46B26701-7B3E-43DA-9072-2E16F55D07DC}"/>
+              </a:ext>
+            </a:extLst>
+          </p:cNvPr>
+          <p:cNvCxnSpPr>
+            <a:cxnSpLocks/>
+            <a:endCxn id="81" idx="1"/>
+          </p:cNvCxnSpPr>
+          <p:nvPr/>
+        </p:nvCxnSpPr>
+        <p:spPr>
+          <a:xfrm>
+            <a:off x="6025376" y="2337205"/>
+            <a:ext cx="324976" cy="1"/>
+          </a:xfrm>
+          <a:prstGeom prst="line">
+            <a:avLst/>
+          </a:prstGeom>
+        </p:spPr>
+        <p:style>
+          <a:lnRef idx="1">
+            <a:schemeClr val="dk1"/>
+          </a:lnRef>
+          <a:fillRef idx="0">
+            <a:schemeClr val="dk1"/>
+          </a:fillRef>
+          <a:effectRef idx="0">
+            <a:schemeClr val="dk1"/>
+          </a:effectRef>
+          <a:fontRef idx="minor">
+            <a:schemeClr val="tx1"/>
+          </a:fontRef>
+        </p:style>
+      </p:cxnSp>
+      <p:cxnSp>
+        <p:nvCxnSpPr>
+          <p:cNvPr id="87" name="直線接點 86">
+            <a:extLst>
+              <a:ext uri="{FF2B5EF4-FFF2-40B4-BE49-F238E27FC236}">
+                <a16:creationId xmlns:a16="http://schemas.microsoft.com/office/drawing/2014/main" id="{31415395-5F15-48B9-82ED-89EDA706332E}"/>
+              </a:ext>
+            </a:extLst>
+          </p:cNvPr>
+          <p:cNvCxnSpPr/>
+          <p:nvPr/>
+        </p:nvCxnSpPr>
+        <p:spPr>
+          <a:xfrm>
+            <a:off x="6021884" y="3998239"/>
+            <a:ext cx="340660" cy="0"/>
+          </a:xfrm>
+          <a:prstGeom prst="line">
+            <a:avLst/>
+          </a:prstGeom>
+        </p:spPr>
+        <p:style>
+          <a:lnRef idx="1">
+            <a:schemeClr val="dk1"/>
+          </a:lnRef>
+          <a:fillRef idx="0">
+            <a:schemeClr val="dk1"/>
+          </a:fillRef>
+          <a:effectRef idx="0">
+            <a:schemeClr val="dk1"/>
+          </a:effectRef>
+          <a:fontRef idx="minor">
+            <a:schemeClr val="tx1"/>
+          </a:fontRef>
+        </p:style>
+      </p:cxnSp>
+      <p:sp>
+        <p:nvSpPr>
+          <p:cNvPr id="88" name="文字方塊 87">
+            <a:extLst>
+              <a:ext uri="{FF2B5EF4-FFF2-40B4-BE49-F238E27FC236}">
+                <a16:creationId xmlns:a16="http://schemas.microsoft.com/office/drawing/2014/main" id="{2A63CC0B-2D72-4EEC-811D-AEEF0EF5B406}"/>
               </a:ext>
             </a:extLst>
           </p:cNvPr>
@@ -4713,8 +4923,8 @@
         </p:nvSpPr>
         <p:spPr>
           <a:xfrm>
-            <a:off x="8239409" y="2970930"/>
-            <a:ext cx="2919465" cy="369332"/>
+            <a:off x="6362207" y="2970930"/>
+            <a:ext cx="2633660" cy="369332"/>
           </a:xfrm>
           <a:prstGeom prst="rect">
             <a:avLst/>
@@ -4729,17 +4939,18 @@
           <a:p>
             <a:r>
               <a:rPr lang="zh-TW" altLang="en-US" dirty="0"/>
-              <a:t>有組員沒做他負責的部分</a:t>
-            </a:r>
-          </a:p>
-        </p:txBody>
-      </p:sp>
-      <p:sp>
-        <p:nvSpPr>
-          <p:cNvPr id="63" name="文字方塊 62">
-            <a:extLst>
-              <a:ext uri="{FF2B5EF4-FFF2-40B4-BE49-F238E27FC236}">
-                <a16:creationId xmlns:a16="http://schemas.microsoft.com/office/drawing/2014/main" id="{9D71189F-8FDF-4F68-B580-6913DD53F47C}"/>
+              <a:t>專業技術欠缺、不熟練</a:t>
+            </a:r>
+            <a:endParaRPr lang="en-US" altLang="zh-TW" dirty="0"/>
+          </a:p>
+        </p:txBody>
+      </p:sp>
+      <p:sp>
+        <p:nvSpPr>
+          <p:cNvPr id="91" name="文字方塊 90">
+            <a:extLst>
+              <a:ext uri="{FF2B5EF4-FFF2-40B4-BE49-F238E27FC236}">
+                <a16:creationId xmlns:a16="http://schemas.microsoft.com/office/drawing/2014/main" id="{61B7E51F-CED8-4DD5-B5E0-872AE5EC9214}"/>
               </a:ext>
             </a:extLst>
           </p:cNvPr>
@@ -4748,8 +4959,8 @@
         </p:nvSpPr>
         <p:spPr>
           <a:xfrm>
-            <a:off x="8781754" y="2152539"/>
-            <a:ext cx="704302" cy="369332"/>
+            <a:off x="6389515" y="3827520"/>
+            <a:ext cx="2288639" cy="369332"/>
           </a:xfrm>
           <a:prstGeom prst="rect">
             <a:avLst/>
@@ -4764,7 +4975,220 @@
           <a:p>
             <a:r>
               <a:rPr lang="zh-TW" altLang="en-US" dirty="0"/>
-              <a:t>其他</a:t>
+              <a:t>專案複雜度高</a:t>
+            </a:r>
+          </a:p>
+        </p:txBody>
+      </p:sp>
+      <p:cxnSp>
+        <p:nvCxnSpPr>
+          <p:cNvPr id="95" name="直線接點 94">
+            <a:extLst>
+              <a:ext uri="{FF2B5EF4-FFF2-40B4-BE49-F238E27FC236}">
+                <a16:creationId xmlns:a16="http://schemas.microsoft.com/office/drawing/2014/main" id="{DF061F7D-5E6C-4EE7-9A5A-0F7C13381377}"/>
+              </a:ext>
+            </a:extLst>
+          </p:cNvPr>
+          <p:cNvCxnSpPr/>
+          <p:nvPr/>
+        </p:nvCxnSpPr>
+        <p:spPr>
+          <a:xfrm>
+            <a:off x="482295" y="4896309"/>
+            <a:ext cx="340660" cy="0"/>
+          </a:xfrm>
+          <a:prstGeom prst="line">
+            <a:avLst/>
+          </a:prstGeom>
+        </p:spPr>
+        <p:style>
+          <a:lnRef idx="1">
+            <a:schemeClr val="dk1"/>
+          </a:lnRef>
+          <a:fillRef idx="0">
+            <a:schemeClr val="dk1"/>
+          </a:fillRef>
+          <a:effectRef idx="0">
+            <a:schemeClr val="dk1"/>
+          </a:effectRef>
+          <a:fontRef idx="minor">
+            <a:schemeClr val="tx1"/>
+          </a:fontRef>
+        </p:style>
+      </p:cxnSp>
+      <p:sp>
+        <p:nvSpPr>
+          <p:cNvPr id="96" name="文字方塊 95">
+            <a:extLst>
+              <a:ext uri="{FF2B5EF4-FFF2-40B4-BE49-F238E27FC236}">
+                <a16:creationId xmlns:a16="http://schemas.microsoft.com/office/drawing/2014/main" id="{0E04759A-5351-42EE-8D73-9FB652836D51}"/>
+              </a:ext>
+            </a:extLst>
+          </p:cNvPr>
+          <p:cNvSpPr txBox="1"/>
+          <p:nvPr/>
+        </p:nvSpPr>
+        <p:spPr>
+          <a:xfrm>
+            <a:off x="876462" y="4713957"/>
+            <a:ext cx="2280532" cy="369332"/>
+          </a:xfrm>
+          <a:prstGeom prst="rect">
+            <a:avLst/>
+          </a:prstGeom>
+          <a:noFill/>
+        </p:spPr>
+        <p:txBody>
+          <a:bodyPr wrap="square" rtlCol="0">
+            <a:spAutoFit/>
+          </a:bodyPr>
+          <a:lstStyle/>
+          <a:p>
+            <a:r>
+              <a:rPr lang="zh-TW" altLang="en-US" dirty="0"/>
+              <a:t>定義系統需求不完整</a:t>
+            </a:r>
+          </a:p>
+        </p:txBody>
+      </p:sp>
+      <p:cxnSp>
+        <p:nvCxnSpPr>
+          <p:cNvPr id="97" name="直線接點 96">
+            <a:extLst>
+              <a:ext uri="{FF2B5EF4-FFF2-40B4-BE49-F238E27FC236}">
+                <a16:creationId xmlns:a16="http://schemas.microsoft.com/office/drawing/2014/main" id="{8A5965D0-A31E-4B8B-B725-BF73B63CD540}"/>
+              </a:ext>
+            </a:extLst>
+          </p:cNvPr>
+          <p:cNvCxnSpPr/>
+          <p:nvPr/>
+        </p:nvCxnSpPr>
+        <p:spPr>
+          <a:xfrm>
+            <a:off x="3200422" y="5497403"/>
+            <a:ext cx="340660" cy="0"/>
+          </a:xfrm>
+          <a:prstGeom prst="line">
+            <a:avLst/>
+          </a:prstGeom>
+        </p:spPr>
+        <p:style>
+          <a:lnRef idx="1">
+            <a:schemeClr val="dk1"/>
+          </a:lnRef>
+          <a:fillRef idx="0">
+            <a:schemeClr val="dk1"/>
+          </a:fillRef>
+          <a:effectRef idx="0">
+            <a:schemeClr val="dk1"/>
+          </a:effectRef>
+          <a:fontRef idx="minor">
+            <a:schemeClr val="tx1"/>
+          </a:fontRef>
+        </p:style>
+      </p:cxnSp>
+      <p:sp>
+        <p:nvSpPr>
+          <p:cNvPr id="98" name="文字方塊 97">
+            <a:extLst>
+              <a:ext uri="{FF2B5EF4-FFF2-40B4-BE49-F238E27FC236}">
+                <a16:creationId xmlns:a16="http://schemas.microsoft.com/office/drawing/2014/main" id="{48DF464B-4C39-42CA-8525-19A13BE1DDC2}"/>
+              </a:ext>
+            </a:extLst>
+          </p:cNvPr>
+          <p:cNvSpPr txBox="1"/>
+          <p:nvPr/>
+        </p:nvSpPr>
+        <p:spPr>
+          <a:xfrm>
+            <a:off x="3524538" y="5326468"/>
+            <a:ext cx="2114617" cy="369332"/>
+          </a:xfrm>
+          <a:prstGeom prst="rect">
+            <a:avLst/>
+          </a:prstGeom>
+          <a:noFill/>
+        </p:spPr>
+        <p:txBody>
+          <a:bodyPr wrap="square" rtlCol="0">
+            <a:spAutoFit/>
+          </a:bodyPr>
+          <a:lstStyle/>
+          <a:p>
+            <a:r>
+              <a:rPr lang="zh-TW" altLang="en-US" dirty="0"/>
+              <a:t>團隊溝通不良</a:t>
+            </a:r>
+          </a:p>
+        </p:txBody>
+      </p:sp>
+      <p:cxnSp>
+        <p:nvCxnSpPr>
+          <p:cNvPr id="99" name="直線接點 98">
+            <a:extLst>
+              <a:ext uri="{FF2B5EF4-FFF2-40B4-BE49-F238E27FC236}">
+                <a16:creationId xmlns:a16="http://schemas.microsoft.com/office/drawing/2014/main" id="{5E9A849D-1C47-402E-8899-E3C6C8504573}"/>
+              </a:ext>
+            </a:extLst>
+          </p:cNvPr>
+          <p:cNvCxnSpPr/>
+          <p:nvPr/>
+        </p:nvCxnSpPr>
+        <p:spPr>
+          <a:xfrm>
+            <a:off x="3185182" y="6198443"/>
+            <a:ext cx="340660" cy="0"/>
+          </a:xfrm>
+          <a:prstGeom prst="line">
+            <a:avLst/>
+          </a:prstGeom>
+        </p:spPr>
+        <p:style>
+          <a:lnRef idx="1">
+            <a:schemeClr val="dk1"/>
+          </a:lnRef>
+          <a:fillRef idx="0">
+            <a:schemeClr val="dk1"/>
+          </a:fillRef>
+          <a:effectRef idx="0">
+            <a:schemeClr val="dk1"/>
+          </a:effectRef>
+          <a:fontRef idx="minor">
+            <a:schemeClr val="tx1"/>
+          </a:fontRef>
+        </p:style>
+      </p:cxnSp>
+      <p:sp>
+        <p:nvSpPr>
+          <p:cNvPr id="100" name="文字方塊 99">
+            <a:extLst>
+              <a:ext uri="{FF2B5EF4-FFF2-40B4-BE49-F238E27FC236}">
+                <a16:creationId xmlns:a16="http://schemas.microsoft.com/office/drawing/2014/main" id="{022D7DBD-95BA-40E1-BFD0-F204D43F985C}"/>
+              </a:ext>
+            </a:extLst>
+          </p:cNvPr>
+          <p:cNvSpPr txBox="1"/>
+          <p:nvPr/>
+        </p:nvSpPr>
+        <p:spPr>
+          <a:xfrm>
+            <a:off x="3509298" y="6027508"/>
+            <a:ext cx="2114617" cy="369332"/>
+          </a:xfrm>
+          <a:prstGeom prst="rect">
+            <a:avLst/>
+          </a:prstGeom>
+          <a:noFill/>
+        </p:spPr>
+        <p:txBody>
+          <a:bodyPr wrap="square" rtlCol="0">
+            <a:spAutoFit/>
+          </a:bodyPr>
+          <a:lstStyle/>
+          <a:p>
+            <a:r>
+              <a:rPr lang="zh-TW" altLang="en-US" dirty="0"/>
+              <a:t>分工定義不明確</a:t>
             </a:r>
           </a:p>
         </p:txBody>
